--- a/docs/dnschk-initial.pptx
+++ b/docs/dnschk-initial.pptx
@@ -186,7 +186,7 @@
 <file path=ppt/revisionInfo.xml><?xml version="1.0" encoding="utf-8"?>
 <p1510:revInfo xmlns:a="http://schemas.openxmlformats.org/drawingml/2006/main" xmlns:r="http://schemas.openxmlformats.org/officeDocument/2006/relationships" xmlns:p1510="http://schemas.microsoft.com/office/powerpoint/2015/10/main">
   <p1510:revLst>
-    <p1510:client id="{5AFEE329-49B6-4EAC-9BC2-72F9838F5933}" v="19548" dt="2018-07-20T08:58:23.597"/>
+    <p1510:client id="{5AFEE329-49B6-4EAC-9BC2-72F9838F5933}" v="19574" dt="2018-07-20T09:28:01.721"/>
   </p1510:revLst>
 </p1510:revInfo>
 </file>
@@ -273,7 +273,7 @@
           <a:p>
             <a:fld id="{E9D1D1A9-C053-4799-932E-3A90399E706E}" type="datetimeFigureOut">
               <a:rPr lang="en-US" smtClean="0"/>
-              <a:t>7/18/2018</a:t>
+              <a:t>7/20/2018</a:t>
             </a:fld>
             <a:endParaRPr lang="en-US" dirty="0"/>
           </a:p>
@@ -3341,7 +3341,7 @@
           <a:p>
             <a:fld id="{10FE0D44-0D58-4F63-94E6-2E5325A06A83}" type="datetime1">
               <a:rPr lang="en-US" smtClean="0"/>
-              <a:t>7/18/2018</a:t>
+              <a:t>7/20/2018</a:t>
             </a:fld>
             <a:endParaRPr lang="en-US" dirty="0"/>
           </a:p>
@@ -3540,7 +3540,7 @@
           <a:p>
             <a:fld id="{30F9BED3-0B3E-40FD-A6A5-C9FED212B093}" type="datetime1">
               <a:rPr lang="en-US" smtClean="0"/>
-              <a:t>7/18/2018</a:t>
+              <a:t>7/20/2018</a:t>
             </a:fld>
             <a:endParaRPr lang="en-US" dirty="0"/>
           </a:p>
@@ -3749,7 +3749,7 @@
           <a:p>
             <a:fld id="{213DB52F-D396-4515-BEC7-0C10DB0F354D}" type="datetime1">
               <a:rPr lang="en-US" smtClean="0"/>
-              <a:t>7/18/2018</a:t>
+              <a:t>7/20/2018</a:t>
             </a:fld>
             <a:endParaRPr lang="en-US" dirty="0"/>
           </a:p>
@@ -3948,7 +3948,7 @@
           <a:p>
             <a:fld id="{361C834D-B4F6-4C35-ADD2-789A75EB8A80}" type="datetime1">
               <a:rPr lang="en-US" smtClean="0"/>
-              <a:t>7/18/2018</a:t>
+              <a:t>7/20/2018</a:t>
             </a:fld>
             <a:endParaRPr lang="en-US" dirty="0"/>
           </a:p>
@@ -4224,7 +4224,7 @@
           <a:p>
             <a:fld id="{122343E6-1A34-44CA-8E7B-D1BACEAAEAAA}" type="datetime1">
               <a:rPr lang="en-US" smtClean="0"/>
-              <a:t>7/18/2018</a:t>
+              <a:t>7/20/2018</a:t>
             </a:fld>
             <a:endParaRPr lang="en-US" dirty="0"/>
           </a:p>
@@ -4490,7 +4490,7 @@
           <a:p>
             <a:fld id="{481DE5F8-25BD-415F-8B97-A48BF04E6E9C}" type="datetime1">
               <a:rPr lang="en-US" smtClean="0"/>
-              <a:t>7/18/2018</a:t>
+              <a:t>7/20/2018</a:t>
             </a:fld>
             <a:endParaRPr lang="en-US" dirty="0"/>
           </a:p>
@@ -4903,7 +4903,7 @@
           <a:p>
             <a:fld id="{7D0D05DB-11D4-498D-9E60-190D2B09BC0E}" type="datetime1">
               <a:rPr lang="en-US" smtClean="0"/>
-              <a:t>7/18/2018</a:t>
+              <a:t>7/20/2018</a:t>
             </a:fld>
             <a:endParaRPr lang="en-US" dirty="0"/>
           </a:p>
@@ -5045,7 +5045,7 @@
           <a:p>
             <a:fld id="{165091C4-4947-4D02-A721-4ADD8D569D2F}" type="datetime1">
               <a:rPr lang="en-US" smtClean="0"/>
-              <a:t>7/18/2018</a:t>
+              <a:t>7/20/2018</a:t>
             </a:fld>
             <a:endParaRPr lang="en-US" dirty="0"/>
           </a:p>
@@ -5159,7 +5159,7 @@
           <a:p>
             <a:fld id="{CCF8C2BF-B590-490F-BA8E-E5E6AFF5C081}" type="datetime1">
               <a:rPr lang="en-US" smtClean="0"/>
-              <a:t>7/18/2018</a:t>
+              <a:t>7/20/2018</a:t>
             </a:fld>
             <a:endParaRPr lang="en-US" dirty="0"/>
           </a:p>
@@ -5471,7 +5471,7 @@
           <a:p>
             <a:fld id="{5652248D-EC68-424F-8C35-AA3C3C20E867}" type="datetime1">
               <a:rPr lang="en-US" smtClean="0"/>
-              <a:t>7/18/2018</a:t>
+              <a:t>7/20/2018</a:t>
             </a:fld>
             <a:endParaRPr lang="en-US" dirty="0"/>
           </a:p>
@@ -5760,7 +5760,7 @@
           <a:p>
             <a:fld id="{D910FA55-646D-4EAA-B761-35192A6DEEEC}" type="datetime1">
               <a:rPr lang="en-US" smtClean="0"/>
-              <a:t>7/18/2018</a:t>
+              <a:t>7/20/2018</a:t>
             </a:fld>
             <a:endParaRPr lang="en-US" dirty="0"/>
           </a:p>
@@ -6002,7 +6002,7 @@
           <a:p>
             <a:fld id="{B8DADE3E-6A0B-406F-9836-18FD90A3C902}" type="datetime1">
               <a:rPr lang="en-US" smtClean="0"/>
-              <a:t>7/18/2018</a:t>
+              <a:t>7/20/2018</a:t>
             </a:fld>
             <a:endParaRPr lang="en-US" dirty="0"/>
           </a:p>
@@ -19895,8 +19895,8 @@
         </p:nvSpPr>
         <p:spPr>
           <a:xfrm>
-            <a:off x="5206701" y="5765389"/>
-            <a:ext cx="6795695" cy="456285"/>
+            <a:off x="5111556" y="5765389"/>
+            <a:ext cx="7057863" cy="456285"/>
           </a:xfrm>
           <a:prstGeom prst="rect">
             <a:avLst/>
@@ -20083,7 +20083,7 @@
                   <a:srgbClr val="FFFFFF"/>
                 </a:highlight>
               </a:rPr>
-              <a:t>https://github.com/xunnamius/dnschk-public</a:t>
+              <a:t>https://github.com/morty-c137-prime/DNSCHK</a:t>
             </a:r>
           </a:p>
         </p:txBody>

--- a/docs/dnschk-initial.pptx
+++ b/docs/dnschk-initial.pptx
@@ -273,7 +273,7 @@
           <a:p>
             <a:fld id="{E9D1D1A9-C053-4799-932E-3A90399E706E}" type="datetimeFigureOut">
               <a:rPr lang="en-US" smtClean="0"/>
-              <a:t>7/20/2018</a:t>
+              <a:t>9/27/2018</a:t>
             </a:fld>
             <a:endParaRPr lang="en-US" dirty="0"/>
           </a:p>
@@ -3341,7 +3341,7 @@
           <a:p>
             <a:fld id="{10FE0D44-0D58-4F63-94E6-2E5325A06A83}" type="datetime1">
               <a:rPr lang="en-US" smtClean="0"/>
-              <a:t>7/20/2018</a:t>
+              <a:t>9/27/2018</a:t>
             </a:fld>
             <a:endParaRPr lang="en-US" dirty="0"/>
           </a:p>
@@ -3540,7 +3540,7 @@
           <a:p>
             <a:fld id="{30F9BED3-0B3E-40FD-A6A5-C9FED212B093}" type="datetime1">
               <a:rPr lang="en-US" smtClean="0"/>
-              <a:t>7/20/2018</a:t>
+              <a:t>9/27/2018</a:t>
             </a:fld>
             <a:endParaRPr lang="en-US" dirty="0"/>
           </a:p>
@@ -3749,7 +3749,7 @@
           <a:p>
             <a:fld id="{213DB52F-D396-4515-BEC7-0C10DB0F354D}" type="datetime1">
               <a:rPr lang="en-US" smtClean="0"/>
-              <a:t>7/20/2018</a:t>
+              <a:t>9/27/2018</a:t>
             </a:fld>
             <a:endParaRPr lang="en-US" dirty="0"/>
           </a:p>
@@ -3948,7 +3948,7 @@
           <a:p>
             <a:fld id="{361C834D-B4F6-4C35-ADD2-789A75EB8A80}" type="datetime1">
               <a:rPr lang="en-US" smtClean="0"/>
-              <a:t>7/20/2018</a:t>
+              <a:t>9/27/2018</a:t>
             </a:fld>
             <a:endParaRPr lang="en-US" dirty="0"/>
           </a:p>
@@ -4224,7 +4224,7 @@
           <a:p>
             <a:fld id="{122343E6-1A34-44CA-8E7B-D1BACEAAEAAA}" type="datetime1">
               <a:rPr lang="en-US" smtClean="0"/>
-              <a:t>7/20/2018</a:t>
+              <a:t>9/27/2018</a:t>
             </a:fld>
             <a:endParaRPr lang="en-US" dirty="0"/>
           </a:p>
@@ -4490,7 +4490,7 @@
           <a:p>
             <a:fld id="{481DE5F8-25BD-415F-8B97-A48BF04E6E9C}" type="datetime1">
               <a:rPr lang="en-US" smtClean="0"/>
-              <a:t>7/20/2018</a:t>
+              <a:t>9/27/2018</a:t>
             </a:fld>
             <a:endParaRPr lang="en-US" dirty="0"/>
           </a:p>
@@ -4903,7 +4903,7 @@
           <a:p>
             <a:fld id="{7D0D05DB-11D4-498D-9E60-190D2B09BC0E}" type="datetime1">
               <a:rPr lang="en-US" smtClean="0"/>
-              <a:t>7/20/2018</a:t>
+              <a:t>9/27/2018</a:t>
             </a:fld>
             <a:endParaRPr lang="en-US" dirty="0"/>
           </a:p>
@@ -5045,7 +5045,7 @@
           <a:p>
             <a:fld id="{165091C4-4947-4D02-A721-4ADD8D569D2F}" type="datetime1">
               <a:rPr lang="en-US" smtClean="0"/>
-              <a:t>7/20/2018</a:t>
+              <a:t>9/27/2018</a:t>
             </a:fld>
             <a:endParaRPr lang="en-US" dirty="0"/>
           </a:p>
@@ -5159,7 +5159,7 @@
           <a:p>
             <a:fld id="{CCF8C2BF-B590-490F-BA8E-E5E6AFF5C081}" type="datetime1">
               <a:rPr lang="en-US" smtClean="0"/>
-              <a:t>7/20/2018</a:t>
+              <a:t>9/27/2018</a:t>
             </a:fld>
             <a:endParaRPr lang="en-US" dirty="0"/>
           </a:p>
@@ -5471,7 +5471,7 @@
           <a:p>
             <a:fld id="{5652248D-EC68-424F-8C35-AA3C3C20E867}" type="datetime1">
               <a:rPr lang="en-US" smtClean="0"/>
-              <a:t>7/20/2018</a:t>
+              <a:t>9/27/2018</a:t>
             </a:fld>
             <a:endParaRPr lang="en-US" dirty="0"/>
           </a:p>
@@ -5760,7 +5760,7 @@
           <a:p>
             <a:fld id="{D910FA55-646D-4EAA-B761-35192A6DEEEC}" type="datetime1">
               <a:rPr lang="en-US" smtClean="0"/>
-              <a:t>7/20/2018</a:t>
+              <a:t>9/27/2018</a:t>
             </a:fld>
             <a:endParaRPr lang="en-US" dirty="0"/>
           </a:p>
@@ -6002,7 +6002,7 @@
           <a:p>
             <a:fld id="{B8DADE3E-6A0B-406F-9836-18FD90A3C902}" type="datetime1">
               <a:rPr lang="en-US" smtClean="0"/>
-              <a:t>7/20/2018</a:t>
+              <a:t>9/27/2018</a:t>
             </a:fld>
             <a:endParaRPr lang="en-US" dirty="0"/>
           </a:p>
@@ -18001,7 +18001,7 @@
         <p:spPr>
           <a:xfrm>
             <a:off x="114299" y="1295400"/>
-            <a:ext cx="11963401" cy="4524315"/>
+            <a:ext cx="11963401" cy="3970318"/>
           </a:xfrm>
           <a:prstGeom prst="rect">
             <a:avLst/>
@@ -18082,6 +18082,14 @@
               </a:buClr>
             </a:pPr>
             <a:r>
+              <a:rPr lang="en-US" sz="3600" b="1" dirty="0">
+                <a:solidFill>
+                  <a:srgbClr val="00B050"/>
+                </a:solidFill>
+              </a:rPr>
+              <a:t>✔</a:t>
+            </a:r>
+            <a:r>
               <a:rPr lang="en-US" sz="3600" dirty="0">
                 <a:solidFill>
                   <a:srgbClr val="00B050"/>
@@ -18090,12 +18098,27 @@
               <a:t> </a:t>
             </a:r>
             <a:r>
+              <a:rPr lang="en-US" sz="3600" dirty="0">
+                <a:solidFill>
+                  <a:schemeClr val="bg1"/>
+                </a:solidFill>
+              </a:rPr>
+              <a:t>Implement prototype DNSCHK browser extension</a:t>
+            </a:r>
+          </a:p>
+          <a:p>
+            <a:pPr marL="0" lvl="1">
+              <a:buClr>
+                <a:prstClr val="black"/>
+              </a:buClr>
+            </a:pPr>
+            <a:r>
               <a:rPr lang="en-US" sz="3600" b="1" dirty="0">
                 <a:solidFill>
                   <a:srgbClr val="FFC000"/>
                 </a:solidFill>
               </a:rPr>
-              <a:t>---</a:t>
+              <a:t> ---</a:t>
             </a:r>
             <a:r>
               <a:rPr lang="en-US" sz="3600" dirty="0">
@@ -18111,11 +18134,11 @@
                   <a:schemeClr val="bg1"/>
                 </a:solidFill>
               </a:rPr>
-              <a:t>Implement prototype DNSCHK browser extension</a:t>
-            </a:r>
-          </a:p>
-          <a:p>
-            <a:pPr marL="1028700" lvl="2" indent="-571500">
+              <a:t>Develop proper use cases and motivating examples</a:t>
+            </a:r>
+          </a:p>
+          <a:p>
+            <a:pPr marL="1028700" lvl="2" indent="-1588">
               <a:buClr>
                 <a:prstClr val="black"/>
               </a:buClr>
@@ -18128,84 +18151,23 @@
                   <a:prstClr val="black"/>
                 </a:solidFill>
               </a:rPr>
-              <a:t>Target browsers: Firefox, Chrome/Opera</a:t>
-            </a:r>
-            <a:endParaRPr lang="en-US" sz="3600" b="1" dirty="0">
-              <a:solidFill>
-                <a:schemeClr val="bg1"/>
-              </a:solidFill>
-            </a:endParaRPr>
-          </a:p>
-          <a:p>
-            <a:pPr marL="0" lvl="1">
-              <a:buClr>
-                <a:schemeClr val="bg1"/>
-              </a:buClr>
-            </a:pPr>
+              <a:t> Browser, FTP, </a:t>
+            </a:r>
+            <a:r>
+              <a:rPr lang="en-US" sz="3600" dirty="0" err="1">
+                <a:solidFill>
+                  <a:prstClr val="black"/>
+                </a:solidFill>
+              </a:rPr>
+              <a:t>HotCRP</a:t>
+            </a:r>
             <a:r>
               <a:rPr lang="en-US" sz="3600" dirty="0">
                 <a:solidFill>
-                  <a:srgbClr val="00B050"/>
-                </a:solidFill>
-              </a:rPr>
-              <a:t> </a:t>
-            </a:r>
-            <a:r>
-              <a:rPr lang="en-US" sz="3600" b="1" dirty="0">
-                <a:solidFill>
-                  <a:srgbClr val="FFC000"/>
-                </a:solidFill>
-              </a:rPr>
-              <a:t>---</a:t>
-            </a:r>
-            <a:r>
-              <a:rPr lang="en-US" sz="3600" dirty="0">
-                <a:solidFill>
-                  <a:srgbClr val="00B050"/>
-                </a:solidFill>
-              </a:rPr>
-              <a:t>  </a:t>
-            </a:r>
-            <a:r>
-              <a:rPr lang="en-US" sz="3600" dirty="0">
-                <a:solidFill>
-                  <a:schemeClr val="bg1"/>
-                </a:solidFill>
-              </a:rPr>
-              <a:t>Develop proper use cases and motivating examples</a:t>
-            </a:r>
-          </a:p>
-          <a:p>
-            <a:pPr marL="1028700" lvl="2" indent="-571500">
-              <a:buClr>
-                <a:prstClr val="black"/>
-              </a:buClr>
-              <a:buFont typeface="Calibri" panose="020F0502020204030204" pitchFamily="34" charset="0"/>
-              <a:buChar char="◊"/>
-            </a:pPr>
-            <a:r>
-              <a:rPr lang="en-US" sz="3600" dirty="0">
-                <a:solidFill>
                   <a:prstClr val="black"/>
                 </a:solidFill>
               </a:rPr>
-              <a:t>Browser, FTP plugin, </a:t>
-            </a:r>
-            <a:r>
-              <a:rPr lang="en-US" sz="3600" dirty="0" err="1">
-                <a:solidFill>
-                  <a:prstClr val="black"/>
-                </a:solidFill>
-              </a:rPr>
-              <a:t>HotCRP</a:t>
-            </a:r>
-            <a:r>
-              <a:rPr lang="en-US" sz="3600" dirty="0">
-                <a:solidFill>
-                  <a:prstClr val="black"/>
-                </a:solidFill>
-              </a:rPr>
-              <a:t> demo, phishing demo, </a:t>
+              <a:t> demo, </a:t>
             </a:r>
             <a:r>
               <a:rPr lang="en-US" sz="3600" dirty="0" err="1">

--- a/docs/dnschk-initial.pptx
+++ b/docs/dnschk-initial.pptx
@@ -15765,7 +15765,7 @@
                   <a:schemeClr val="bg1"/>
                 </a:solidFill>
               </a:rPr>
-              <a:t>Adversary can influence or even completely control the content distribution mechanism in any way</a:t>
+              <a:t>Adversary can influence or even completely control the resource distribution mechanism in any way</a:t>
             </a:r>
           </a:p>
           <a:p>
@@ -16140,7 +16140,7 @@
                   <a:schemeClr val="bg1"/>
                 </a:solidFill>
               </a:rPr>
-              <a:t>have access to relevant content distribution mechanism</a:t>
+              <a:t>have access to relevant resource distribution mechanism</a:t>
             </a:r>
           </a:p>
           <a:p>
@@ -16410,7 +16410,7 @@
                   <a:schemeClr val="bg1"/>
                 </a:solidFill>
               </a:rPr>
-              <a:t>Adversary can influence or even completely control the content distribution mechanism in any way</a:t>
+              <a:t>Adversary can influence or even completely control the resource distribution mechanism in any way</a:t>
             </a:r>
           </a:p>
           <a:p>
@@ -16705,7 +16705,7 @@
                   <a:srgbClr val="CE3426"/>
                 </a:solidFill>
               </a:rPr>
-              <a:t> both DNS and the content distribution mechanism </a:t>
+              <a:t> both DNS and the resource distribution mechanism </a:t>
             </a:r>
             <a:r>
               <a:rPr lang="en-US" sz="3600" dirty="0">
@@ -18115,10 +18115,10 @@
             <a:r>
               <a:rPr lang="en-US" sz="3600" b="1" dirty="0">
                 <a:solidFill>
-                  <a:srgbClr val="FFC000"/>
-                </a:solidFill>
-              </a:rPr>
-              <a:t> ---</a:t>
+                  <a:srgbClr val="00B050"/>
+                </a:solidFill>
+              </a:rPr>
+              <a:t>✔</a:t>
             </a:r>
             <a:r>
               <a:rPr lang="en-US" sz="3600" dirty="0">
@@ -18126,7 +18126,7 @@
                   <a:srgbClr val="00B050"/>
                 </a:solidFill>
               </a:rPr>
-              <a:t>  </a:t>
+              <a:t> </a:t>
             </a:r>
             <a:r>
               <a:rPr lang="en-US" sz="3600" dirty="0">

--- a/docs/dnschk-initial.pptx
+++ b/docs/dnschk-initial.pptx
@@ -273,7 +273,7 @@
           <a:p>
             <a:fld id="{E9D1D1A9-C053-4799-932E-3A90399E706E}" type="datetimeFigureOut">
               <a:rPr lang="en-US" smtClean="0"/>
-              <a:t>9/27/2018</a:t>
+              <a:t>11/15/2018</a:t>
             </a:fld>
             <a:endParaRPr lang="en-US" dirty="0"/>
           </a:p>
@@ -3341,7 +3341,7 @@
           <a:p>
             <a:fld id="{10FE0D44-0D58-4F63-94E6-2E5325A06A83}" type="datetime1">
               <a:rPr lang="en-US" smtClean="0"/>
-              <a:t>9/27/2018</a:t>
+              <a:t>11/15/2018</a:t>
             </a:fld>
             <a:endParaRPr lang="en-US" dirty="0"/>
           </a:p>
@@ -3540,7 +3540,7 @@
           <a:p>
             <a:fld id="{30F9BED3-0B3E-40FD-A6A5-C9FED212B093}" type="datetime1">
               <a:rPr lang="en-US" smtClean="0"/>
-              <a:t>9/27/2018</a:t>
+              <a:t>11/15/2018</a:t>
             </a:fld>
             <a:endParaRPr lang="en-US" dirty="0"/>
           </a:p>
@@ -3749,7 +3749,7 @@
           <a:p>
             <a:fld id="{213DB52F-D396-4515-BEC7-0C10DB0F354D}" type="datetime1">
               <a:rPr lang="en-US" smtClean="0"/>
-              <a:t>9/27/2018</a:t>
+              <a:t>11/15/2018</a:t>
             </a:fld>
             <a:endParaRPr lang="en-US" dirty="0"/>
           </a:p>
@@ -3948,7 +3948,7 @@
           <a:p>
             <a:fld id="{361C834D-B4F6-4C35-ADD2-789A75EB8A80}" type="datetime1">
               <a:rPr lang="en-US" smtClean="0"/>
-              <a:t>9/27/2018</a:t>
+              <a:t>11/15/2018</a:t>
             </a:fld>
             <a:endParaRPr lang="en-US" dirty="0"/>
           </a:p>
@@ -4224,7 +4224,7 @@
           <a:p>
             <a:fld id="{122343E6-1A34-44CA-8E7B-D1BACEAAEAAA}" type="datetime1">
               <a:rPr lang="en-US" smtClean="0"/>
-              <a:t>9/27/2018</a:t>
+              <a:t>11/15/2018</a:t>
             </a:fld>
             <a:endParaRPr lang="en-US" dirty="0"/>
           </a:p>
@@ -4490,7 +4490,7 @@
           <a:p>
             <a:fld id="{481DE5F8-25BD-415F-8B97-A48BF04E6E9C}" type="datetime1">
               <a:rPr lang="en-US" smtClean="0"/>
-              <a:t>9/27/2018</a:t>
+              <a:t>11/15/2018</a:t>
             </a:fld>
             <a:endParaRPr lang="en-US" dirty="0"/>
           </a:p>
@@ -4903,7 +4903,7 @@
           <a:p>
             <a:fld id="{7D0D05DB-11D4-498D-9E60-190D2B09BC0E}" type="datetime1">
               <a:rPr lang="en-US" smtClean="0"/>
-              <a:t>9/27/2018</a:t>
+              <a:t>11/15/2018</a:t>
             </a:fld>
             <a:endParaRPr lang="en-US" dirty="0"/>
           </a:p>
@@ -5045,7 +5045,7 @@
           <a:p>
             <a:fld id="{165091C4-4947-4D02-A721-4ADD8D569D2F}" type="datetime1">
               <a:rPr lang="en-US" smtClean="0"/>
-              <a:t>9/27/2018</a:t>
+              <a:t>11/15/2018</a:t>
             </a:fld>
             <a:endParaRPr lang="en-US" dirty="0"/>
           </a:p>
@@ -5159,7 +5159,7 @@
           <a:p>
             <a:fld id="{CCF8C2BF-B590-490F-BA8E-E5E6AFF5C081}" type="datetime1">
               <a:rPr lang="en-US" smtClean="0"/>
-              <a:t>9/27/2018</a:t>
+              <a:t>11/15/2018</a:t>
             </a:fld>
             <a:endParaRPr lang="en-US" dirty="0"/>
           </a:p>
@@ -5471,7 +5471,7 @@
           <a:p>
             <a:fld id="{5652248D-EC68-424F-8C35-AA3C3C20E867}" type="datetime1">
               <a:rPr lang="en-US" smtClean="0"/>
-              <a:t>9/27/2018</a:t>
+              <a:t>11/15/2018</a:t>
             </a:fld>
             <a:endParaRPr lang="en-US" dirty="0"/>
           </a:p>
@@ -5760,7 +5760,7 @@
           <a:p>
             <a:fld id="{D910FA55-646D-4EAA-B761-35192A6DEEEC}" type="datetime1">
               <a:rPr lang="en-US" smtClean="0"/>
-              <a:t>9/27/2018</a:t>
+              <a:t>11/15/2018</a:t>
             </a:fld>
             <a:endParaRPr lang="en-US" dirty="0"/>
           </a:p>
@@ -6002,7 +6002,7 @@
           <a:p>
             <a:fld id="{B8DADE3E-6A0B-406F-9836-18FD90A3C902}" type="datetime1">
               <a:rPr lang="en-US" smtClean="0"/>
-              <a:t>9/27/2018</a:t>
+              <a:t>11/15/2018</a:t>
             </a:fld>
             <a:endParaRPr lang="en-US" dirty="0"/>
           </a:p>
@@ -6755,7 +6755,7 @@
         <p:spPr>
           <a:xfrm>
             <a:off x="115829" y="812800"/>
-            <a:ext cx="5451987" cy="5299995"/>
+            <a:ext cx="5980171" cy="5299995"/>
           </a:xfrm>
         </p:spPr>
         <p:txBody>
@@ -6771,7 +6771,7 @@
                   <a:srgbClr val="CE3426"/>
                 </a:solidFill>
               </a:rPr>
-              <a:t>DNSCHK: IN NEED OF A WORTHY AND DESCRIPTIVE POST-COLON TITLE</a:t>
+              <a:t>DNSCHK: Free Malicious Download Detection with Highly-Available Distributed Systems</a:t>
             </a:r>
             <a:endParaRPr lang="en-US" sz="5400" b="1" dirty="0">
               <a:solidFill>
@@ -6826,14 +6826,14 @@
             </a:br>
             <a:r>
               <a:rPr lang="en-US" sz="3200" dirty="0"/>
-              <a:t>Henry Hoffmann</a:t>
+              <a:t>Trevor Medina</a:t>
             </a:r>
             <a:br>
               <a:rPr lang="en-US" sz="3200" dirty="0"/>
             </a:br>
             <a:r>
               <a:rPr lang="en-US" sz="3200" dirty="0"/>
-              <a:t>(?)</a:t>
+              <a:t>Henry Hoffmann</a:t>
             </a:r>
           </a:p>
         </p:txBody>
